--- a/Nursing home quality in OK.pptx
+++ b/Nursing home quality in OK.pptx
@@ -17,7 +17,8 @@
     <p:sldId id="272" r:id="rId11"/>
     <p:sldId id="280" r:id="rId12"/>
     <p:sldId id="281" r:id="rId13"/>
-    <p:sldId id="277" r:id="rId14"/>
+    <p:sldId id="282" r:id="rId14"/>
+    <p:sldId id="277" r:id="rId15"/>
   </p:sldIdLst>
   <p:sldSz cx="12192000" cy="6858000"/>
   <p:notesSz cx="6858000" cy="9144000"/>
@@ -5312,10 +5313,10 @@
       </p:sp>
       <p:pic>
         <p:nvPicPr>
-          <p:cNvPr id="4" name="Picture 3" descr="A blue rectangular bar graph&#10;&#10;Description automatically generated">
-            <a:extLst>
-              <a:ext uri="{FF2B5EF4-FFF2-40B4-BE49-F238E27FC236}">
-                <a16:creationId xmlns:a16="http://schemas.microsoft.com/office/drawing/2014/main" id="{5B84D8EA-1354-D2E0-B362-A74169970D5A}"/>
+          <p:cNvPr id="6" name="Picture 5" descr="A graph of a type of ownership type&#10;&#10;Description automatically generated">
+            <a:extLst>
+              <a:ext uri="{FF2B5EF4-FFF2-40B4-BE49-F238E27FC236}">
+                <a16:creationId xmlns:a16="http://schemas.microsoft.com/office/drawing/2014/main" id="{2A9F58F6-7BF0-6504-0045-AAF306201753}"/>
               </a:ext>
             </a:extLst>
           </p:cNvPr>
@@ -5338,8 +5339,8 @@
         </p:blipFill>
         <p:spPr>
           <a:xfrm>
-            <a:off x="1517904" y="983161"/>
-            <a:ext cx="7492739" cy="5619554"/>
+            <a:off x="1517905" y="1127811"/>
+            <a:ext cx="7299871" cy="5474903"/>
           </a:xfrm>
           <a:prstGeom prst="rect">
             <a:avLst/>
@@ -5498,13 +5499,13 @@
         </p:spPr>
         <p:txBody>
           <a:bodyPr>
-            <a:normAutofit/>
+            <a:normAutofit fontScale="90000"/>
           </a:bodyPr>
           <a:lstStyle/>
           <a:p>
             <a:r>
               <a:rPr lang="en-US" i="0" dirty="0"/>
-              <a:t>Ownership Type vs QM Rating</a:t>
+              <a:t>Total Amount of Fines vs QM Rating</a:t>
             </a:r>
           </a:p>
         </p:txBody>
@@ -5790,10 +5791,10 @@
       </p:sp>
       <p:pic>
         <p:nvPicPr>
-          <p:cNvPr id="6" name="Picture 5" descr="A graph with blue dots and red line&#10;&#10;Description automatically generated">
-            <a:extLst>
-              <a:ext uri="{FF2B5EF4-FFF2-40B4-BE49-F238E27FC236}">
-                <a16:creationId xmlns:a16="http://schemas.microsoft.com/office/drawing/2014/main" id="{216B0AD0-17D0-493F-598C-4C41747CBA05}"/>
+          <p:cNvPr id="5" name="Picture 4" descr="A graph with blue dots and a red line&#10;&#10;Description automatically generated">
+            <a:extLst>
+              <a:ext uri="{FF2B5EF4-FFF2-40B4-BE49-F238E27FC236}">
+                <a16:creationId xmlns:a16="http://schemas.microsoft.com/office/drawing/2014/main" id="{98923F03-E516-B7E7-A347-99A885C562E7}"/>
               </a:ext>
             </a:extLst>
           </p:cNvPr>
@@ -5816,14 +5817,58 @@
         </p:blipFill>
         <p:spPr>
           <a:xfrm>
-            <a:off x="2408871" y="1072021"/>
-            <a:ext cx="7374257" cy="5530693"/>
+            <a:off x="2334765" y="960862"/>
+            <a:ext cx="7522469" cy="5641852"/>
           </a:xfrm>
           <a:prstGeom prst="rect">
             <a:avLst/>
           </a:prstGeom>
         </p:spPr>
       </p:pic>
+      <p:sp>
+        <p:nvSpPr>
+          <p:cNvPr id="7" name="TextBox 6">
+            <a:extLst>
+              <a:ext uri="{FF2B5EF4-FFF2-40B4-BE49-F238E27FC236}">
+                <a16:creationId xmlns:a16="http://schemas.microsoft.com/office/drawing/2014/main" id="{EDF10A66-FDD6-E609-AB72-C178BDAF3D98}"/>
+              </a:ext>
+            </a:extLst>
+          </p:cNvPr>
+          <p:cNvSpPr txBox="1"/>
+          <p:nvPr/>
+        </p:nvSpPr>
+        <p:spPr>
+          <a:xfrm>
+            <a:off x="9970453" y="1506787"/>
+            <a:ext cx="1813558" cy="923330"/>
+          </a:xfrm>
+          <a:prstGeom prst="rect">
+            <a:avLst/>
+          </a:prstGeom>
+          <a:noFill/>
+        </p:spPr>
+        <p:txBody>
+          <a:bodyPr wrap="square" rtlCol="0">
+            <a:spAutoFit/>
+          </a:bodyPr>
+          <a:lstStyle/>
+          <a:p>
+            <a:r>
+              <a:rPr lang="en-US" dirty="0"/>
+              <a:t>The correlation is -0.11 and the </a:t>
+            </a:r>
+            <a:r>
+              <a:rPr lang="en-US" dirty="0" err="1"/>
+              <a:t>p_value</a:t>
+            </a:r>
+            <a:r>
+              <a:rPr lang="en-US"/>
+              <a:t> is </a:t>
+            </a:r>
+            <a:endParaRPr lang="en-US" dirty="0"/>
+          </a:p>
+        </p:txBody>
+      </p:sp>
     </p:spTree>
     <p:extLst>
       <p:ext uri="{BB962C8B-B14F-4D97-AF65-F5344CB8AC3E}">
@@ -5838,6 +5883,487 @@
 </file>
 
 <file path=ppt/slides/slide13.xml><?xml version="1.0" encoding="utf-8"?>
+<p:sld xmlns:a="http://schemas.openxmlformats.org/drawingml/2006/main" xmlns:r="http://schemas.openxmlformats.org/officeDocument/2006/relationships" xmlns:p="http://schemas.openxmlformats.org/presentationml/2006/main">
+  <p:cSld>
+    <p:bg>
+      <p:bgPr>
+        <a:solidFill>
+          <a:schemeClr val="bg2"/>
+        </a:solidFill>
+        <a:effectLst/>
+      </p:bgPr>
+    </p:bg>
+    <p:spTree>
+      <p:nvGrpSpPr>
+        <p:cNvPr id="1" name=""/>
+        <p:cNvGrpSpPr/>
+        <p:nvPr/>
+      </p:nvGrpSpPr>
+      <p:grpSpPr>
+        <a:xfrm>
+          <a:off x="0" y="0"/>
+          <a:ext cx="0" cy="0"/>
+          <a:chOff x="0" y="0"/>
+          <a:chExt cx="0" cy="0"/>
+        </a:xfrm>
+      </p:grpSpPr>
+      <p:sp useBgFill="1">
+        <p:nvSpPr>
+          <p:cNvPr id="17" name="Rectangle 16">
+            <a:extLst>
+              <a:ext uri="{FF2B5EF4-FFF2-40B4-BE49-F238E27FC236}">
+                <a16:creationId xmlns:a16="http://schemas.microsoft.com/office/drawing/2014/main" id="{C5176844-69C3-4F79-BE38-EA5BDDF4FEA4}"/>
+              </a:ext>
+              <a:ext uri="{C183D7F6-B498-43B3-948B-1728B52AA6E4}">
+                <adec:decorative xmlns:adec="http://schemas.microsoft.com/office/drawing/2017/decorative" val="1"/>
+              </a:ext>
+            </a:extLst>
+          </p:cNvPr>
+          <p:cNvSpPr>
+            <a:spLocks noGrp="1" noRot="1" noChangeAspect="1" noMove="1" noResize="1" noEditPoints="1" noAdjustHandles="1" noChangeArrowheads="1" noChangeShapeType="1" noTextEdit="1"/>
+          </p:cNvSpPr>
+          <p:nvPr>
+            <p:extLst>
+              <p:ext uri="{386F3935-93C4-4BCD-93E2-E3B085C9AB24}">
+                <p16:designElem xmlns:p16="http://schemas.microsoft.com/office/powerpoint/2015/main" val="1"/>
+              </p:ext>
+            </p:extLst>
+          </p:nvPr>
+        </p:nvSpPr>
+        <p:spPr>
+          <a:xfrm>
+            <a:off x="0" y="0"/>
+            <a:ext cx="12192000" cy="6858000"/>
+          </a:xfrm>
+          <a:prstGeom prst="rect">
+            <a:avLst/>
+          </a:prstGeom>
+          <a:ln>
+            <a:noFill/>
+          </a:ln>
+        </p:spPr>
+        <p:style>
+          <a:lnRef idx="2">
+            <a:schemeClr val="accent1">
+              <a:shade val="50000"/>
+            </a:schemeClr>
+          </a:lnRef>
+          <a:fillRef idx="1">
+            <a:schemeClr val="accent1"/>
+          </a:fillRef>
+          <a:effectRef idx="0">
+            <a:schemeClr val="accent1"/>
+          </a:effectRef>
+          <a:fontRef idx="minor">
+            <a:schemeClr val="lt1"/>
+          </a:fontRef>
+        </p:style>
+        <p:txBody>
+          <a:bodyPr rtlCol="0" anchor="ctr"/>
+          <a:lstStyle/>
+          <a:p>
+            <a:pPr algn="ctr"/>
+            <a:endParaRPr lang="en-US"/>
+          </a:p>
+        </p:txBody>
+      </p:sp>
+      <p:sp>
+        <p:nvSpPr>
+          <p:cNvPr id="2" name="Title 1">
+            <a:extLst>
+              <a:ext uri="{FF2B5EF4-FFF2-40B4-BE49-F238E27FC236}">
+                <a16:creationId xmlns:a16="http://schemas.microsoft.com/office/drawing/2014/main" id="{35A12B4D-4482-37CA-BC98-50EF2BB87ED8}"/>
+              </a:ext>
+            </a:extLst>
+          </p:cNvPr>
+          <p:cNvSpPr>
+            <a:spLocks noGrp="1"/>
+          </p:cNvSpPr>
+          <p:nvPr>
+            <p:ph type="title"/>
+          </p:nvPr>
+        </p:nvSpPr>
+        <p:spPr>
+          <a:xfrm>
+            <a:off x="918298" y="342900"/>
+            <a:ext cx="10355403" cy="1346062"/>
+          </a:xfrm>
+        </p:spPr>
+        <p:txBody>
+          <a:bodyPr>
+            <a:normAutofit/>
+          </a:bodyPr>
+          <a:lstStyle/>
+          <a:p>
+            <a:r>
+              <a:rPr lang="en-US" i="0" dirty="0"/>
+              <a:t>Conclusion</a:t>
+            </a:r>
+          </a:p>
+        </p:txBody>
+      </p:sp>
+      <p:cxnSp>
+        <p:nvCxnSpPr>
+          <p:cNvPr id="19" name="Straight Connector 18">
+            <a:extLst>
+              <a:ext uri="{FF2B5EF4-FFF2-40B4-BE49-F238E27FC236}">
+                <a16:creationId xmlns:a16="http://schemas.microsoft.com/office/drawing/2014/main" id="{33862825-C012-4895-A17E-F3D1F62D89DD}"/>
+              </a:ext>
+              <a:ext uri="{C183D7F6-B498-43B3-948B-1728B52AA6E4}">
+                <adec:decorative xmlns:adec="http://schemas.microsoft.com/office/drawing/2017/decorative" val="1"/>
+              </a:ext>
+            </a:extLst>
+          </p:cNvPr>
+          <p:cNvCxnSpPr>
+            <a:cxnSpLocks noGrp="1" noRot="1" noChangeAspect="1" noMove="1" noResize="1" noEditPoints="1" noAdjustHandles="1" noChangeArrowheads="1" noChangeShapeType="1"/>
+          </p:cNvCxnSpPr>
+          <p:nvPr>
+            <p:extLst>
+              <p:ext uri="{386F3935-93C4-4BCD-93E2-E3B085C9AB24}">
+                <p16:designElem xmlns:p16="http://schemas.microsoft.com/office/powerpoint/2015/main" val="1"/>
+              </p:ext>
+            </p:extLst>
+          </p:nvPr>
+        </p:nvCxnSpPr>
+        <p:spPr>
+          <a:xfrm>
+            <a:off x="758952" y="1143293"/>
+            <a:ext cx="0" cy="5714707"/>
+          </a:xfrm>
+          <a:prstGeom prst="line">
+            <a:avLst/>
+          </a:prstGeom>
+          <a:ln w="19050">
+            <a:solidFill>
+              <a:schemeClr val="tx1">
+                <a:lumMod val="85000"/>
+                <a:lumOff val="15000"/>
+              </a:schemeClr>
+            </a:solidFill>
+          </a:ln>
+        </p:spPr>
+        <p:style>
+          <a:lnRef idx="1">
+            <a:schemeClr val="accent1"/>
+          </a:lnRef>
+          <a:fillRef idx="0">
+            <a:schemeClr val="accent1"/>
+          </a:fillRef>
+          <a:effectRef idx="0">
+            <a:schemeClr val="accent1"/>
+          </a:effectRef>
+          <a:fontRef idx="minor">
+            <a:schemeClr val="tx1"/>
+          </a:fontRef>
+        </p:style>
+      </p:cxnSp>
+      <p:sp>
+        <p:nvSpPr>
+          <p:cNvPr id="21" name="Freeform 6">
+            <a:extLst>
+              <a:ext uri="{FF2B5EF4-FFF2-40B4-BE49-F238E27FC236}">
+                <a16:creationId xmlns:a16="http://schemas.microsoft.com/office/drawing/2014/main" id="{A101E513-AF74-4E9D-A31F-99664250722D}"/>
+              </a:ext>
+              <a:ext uri="{C183D7F6-B498-43B3-948B-1728B52AA6E4}">
+                <adec:decorative xmlns:adec="http://schemas.microsoft.com/office/drawing/2017/decorative" val="1"/>
+              </a:ext>
+            </a:extLst>
+          </p:cNvPr>
+          <p:cNvSpPr>
+            <a:spLocks noGrp="1" noRot="1" noChangeAspect="1" noMove="1" noResize="1" noEditPoints="1" noAdjustHandles="1" noChangeArrowheads="1" noChangeShapeType="1" noTextEdit="1"/>
+          </p:cNvSpPr>
+          <p:nvPr>
+            <p:extLst>
+              <p:ext uri="{386F3935-93C4-4BCD-93E2-E3B085C9AB24}">
+                <p16:designElem xmlns:p16="http://schemas.microsoft.com/office/powerpoint/2015/main" val="1"/>
+              </p:ext>
+            </p:extLst>
+          </p:nvPr>
+        </p:nvSpPr>
+        <p:spPr bwMode="auto">
+          <a:xfrm>
+            <a:off x="11784011" y="5783564"/>
+            <a:ext cx="407988" cy="819150"/>
+          </a:xfrm>
+          <a:custGeom>
+            <a:avLst/>
+            <a:gdLst/>
+            <a:ahLst/>
+            <a:cxnLst/>
+            <a:rect l="0" t="0" r="r" b="b"/>
+            <a:pathLst>
+              <a:path w="1799" h="3612">
+                <a:moveTo>
+                  <a:pt x="1799" y="0"/>
+                </a:moveTo>
+                <a:lnTo>
+                  <a:pt x="1799" y="3612"/>
+                </a:lnTo>
+                <a:lnTo>
+                  <a:pt x="1686" y="3609"/>
+                </a:lnTo>
+                <a:lnTo>
+                  <a:pt x="1574" y="3598"/>
+                </a:lnTo>
+                <a:lnTo>
+                  <a:pt x="1464" y="3581"/>
+                </a:lnTo>
+                <a:lnTo>
+                  <a:pt x="1357" y="3557"/>
+                </a:lnTo>
+                <a:lnTo>
+                  <a:pt x="1251" y="3527"/>
+                </a:lnTo>
+                <a:lnTo>
+                  <a:pt x="1150" y="3490"/>
+                </a:lnTo>
+                <a:lnTo>
+                  <a:pt x="1050" y="3448"/>
+                </a:lnTo>
+                <a:lnTo>
+                  <a:pt x="953" y="3401"/>
+                </a:lnTo>
+                <a:lnTo>
+                  <a:pt x="860" y="3347"/>
+                </a:lnTo>
+                <a:lnTo>
+                  <a:pt x="771" y="3289"/>
+                </a:lnTo>
+                <a:lnTo>
+                  <a:pt x="686" y="3224"/>
+                </a:lnTo>
+                <a:lnTo>
+                  <a:pt x="604" y="3156"/>
+                </a:lnTo>
+                <a:lnTo>
+                  <a:pt x="527" y="3083"/>
+                </a:lnTo>
+                <a:lnTo>
+                  <a:pt x="454" y="3005"/>
+                </a:lnTo>
+                <a:lnTo>
+                  <a:pt x="386" y="2923"/>
+                </a:lnTo>
+                <a:lnTo>
+                  <a:pt x="323" y="2838"/>
+                </a:lnTo>
+                <a:lnTo>
+                  <a:pt x="265" y="2748"/>
+                </a:lnTo>
+                <a:lnTo>
+                  <a:pt x="211" y="2655"/>
+                </a:lnTo>
+                <a:lnTo>
+                  <a:pt x="163" y="2559"/>
+                </a:lnTo>
+                <a:lnTo>
+                  <a:pt x="121" y="2459"/>
+                </a:lnTo>
+                <a:lnTo>
+                  <a:pt x="85" y="2356"/>
+                </a:lnTo>
+                <a:lnTo>
+                  <a:pt x="55" y="2251"/>
+                </a:lnTo>
+                <a:lnTo>
+                  <a:pt x="32" y="2143"/>
+                </a:lnTo>
+                <a:lnTo>
+                  <a:pt x="14" y="2033"/>
+                </a:lnTo>
+                <a:lnTo>
+                  <a:pt x="4" y="1920"/>
+                </a:lnTo>
+                <a:lnTo>
+                  <a:pt x="0" y="1806"/>
+                </a:lnTo>
+                <a:lnTo>
+                  <a:pt x="4" y="1692"/>
+                </a:lnTo>
+                <a:lnTo>
+                  <a:pt x="14" y="1580"/>
+                </a:lnTo>
+                <a:lnTo>
+                  <a:pt x="32" y="1469"/>
+                </a:lnTo>
+                <a:lnTo>
+                  <a:pt x="55" y="1362"/>
+                </a:lnTo>
+                <a:lnTo>
+                  <a:pt x="85" y="1256"/>
+                </a:lnTo>
+                <a:lnTo>
+                  <a:pt x="121" y="1154"/>
+                </a:lnTo>
+                <a:lnTo>
+                  <a:pt x="163" y="1054"/>
+                </a:lnTo>
+                <a:lnTo>
+                  <a:pt x="211" y="958"/>
+                </a:lnTo>
+                <a:lnTo>
+                  <a:pt x="265" y="864"/>
+                </a:lnTo>
+                <a:lnTo>
+                  <a:pt x="323" y="774"/>
+                </a:lnTo>
+                <a:lnTo>
+                  <a:pt x="386" y="689"/>
+                </a:lnTo>
+                <a:lnTo>
+                  <a:pt x="454" y="607"/>
+                </a:lnTo>
+                <a:lnTo>
+                  <a:pt x="527" y="529"/>
+                </a:lnTo>
+                <a:lnTo>
+                  <a:pt x="604" y="456"/>
+                </a:lnTo>
+                <a:lnTo>
+                  <a:pt x="686" y="388"/>
+                </a:lnTo>
+                <a:lnTo>
+                  <a:pt x="771" y="325"/>
+                </a:lnTo>
+                <a:lnTo>
+                  <a:pt x="860" y="266"/>
+                </a:lnTo>
+                <a:lnTo>
+                  <a:pt x="953" y="212"/>
+                </a:lnTo>
+                <a:lnTo>
+                  <a:pt x="1050" y="164"/>
+                </a:lnTo>
+                <a:lnTo>
+                  <a:pt x="1150" y="122"/>
+                </a:lnTo>
+                <a:lnTo>
+                  <a:pt x="1251" y="85"/>
+                </a:lnTo>
+                <a:lnTo>
+                  <a:pt x="1357" y="55"/>
+                </a:lnTo>
+                <a:lnTo>
+                  <a:pt x="1464" y="32"/>
+                </a:lnTo>
+                <a:lnTo>
+                  <a:pt x="1574" y="14"/>
+                </a:lnTo>
+                <a:lnTo>
+                  <a:pt x="1686" y="5"/>
+                </a:lnTo>
+                <a:lnTo>
+                  <a:pt x="1799" y="0"/>
+                </a:lnTo>
+                <a:close/>
+              </a:path>
+            </a:pathLst>
+          </a:custGeom>
+          <a:solidFill>
+            <a:schemeClr val="tx1">
+              <a:lumMod val="85000"/>
+              <a:lumOff val="15000"/>
+            </a:schemeClr>
+          </a:solidFill>
+          <a:ln w="0">
+            <a:noFill/>
+            <a:prstDash val="solid"/>
+            <a:round/>
+            <a:headEnd/>
+            <a:tailEnd/>
+          </a:ln>
+        </p:spPr>
+        <p:txBody>
+          <a:bodyPr anchor="ctr"/>
+          <a:lstStyle/>
+          <a:p>
+            <a:endParaRPr lang="en-US"/>
+          </a:p>
+        </p:txBody>
+      </p:sp>
+      <p:sp>
+        <p:nvSpPr>
+          <p:cNvPr id="3" name="TextBox 2">
+            <a:extLst>
+              <a:ext uri="{FF2B5EF4-FFF2-40B4-BE49-F238E27FC236}">
+                <a16:creationId xmlns:a16="http://schemas.microsoft.com/office/drawing/2014/main" id="{CC5D0067-FB07-D9F9-1568-9E1E5FABF20C}"/>
+              </a:ext>
+            </a:extLst>
+          </p:cNvPr>
+          <p:cNvSpPr txBox="1"/>
+          <p:nvPr/>
+        </p:nvSpPr>
+        <p:spPr>
+          <a:xfrm>
+            <a:off x="1048512" y="1365504"/>
+            <a:ext cx="8071103" cy="4154984"/>
+          </a:xfrm>
+          <a:prstGeom prst="rect">
+            <a:avLst/>
+          </a:prstGeom>
+          <a:noFill/>
+        </p:spPr>
+        <p:txBody>
+          <a:bodyPr wrap="square" rtlCol="0">
+            <a:spAutoFit/>
+          </a:bodyPr>
+          <a:lstStyle/>
+          <a:p>
+            <a:pPr marL="285750" indent="-285750">
+              <a:buFont typeface="Arial" panose="020B0604020202020204" pitchFamily="34" charset="0"/>
+              <a:buChar char="•"/>
+            </a:pPr>
+            <a:r>
+              <a:rPr lang="en-US" sz="2400" dirty="0"/>
+              <a:t>Staff turnover and the number of hours spent with residents does not have a correlation with Quality Measure Rating.</a:t>
+            </a:r>
+          </a:p>
+          <a:p>
+            <a:pPr marL="285750" indent="-285750">
+              <a:buFont typeface="Arial" panose="020B0604020202020204" pitchFamily="34" charset="0"/>
+              <a:buChar char="•"/>
+            </a:pPr>
+            <a:r>
+              <a:rPr lang="en-US" sz="2400" dirty="0"/>
+              <a:t>The time spent with patients also does not appear to have a large effect on the number of fines incurred by a home. The number of fines has a slight affect on the QM rating.</a:t>
+            </a:r>
+          </a:p>
+          <a:p>
+            <a:pPr marL="285750" indent="-285750">
+              <a:buFont typeface="Arial" panose="020B0604020202020204" pitchFamily="34" charset="0"/>
+              <a:buChar char="•"/>
+            </a:pPr>
+            <a:r>
+              <a:rPr lang="en-US" sz="2400" dirty="0"/>
+              <a:t>Ownership does not have a large effect on Quality Measure Rating</a:t>
+            </a:r>
+          </a:p>
+          <a:p>
+            <a:pPr marL="285750" indent="-285750">
+              <a:buFont typeface="Arial" panose="020B0604020202020204" pitchFamily="34" charset="0"/>
+              <a:buChar char="•"/>
+            </a:pPr>
+            <a:r>
+              <a:rPr lang="en-US" sz="2400" dirty="0"/>
+              <a:t>Quality Measure Rating is a difficult measure to quantify </a:t>
+            </a:r>
+          </a:p>
+        </p:txBody>
+      </p:sp>
+    </p:spTree>
+    <p:extLst>
+      <p:ext uri="{BB962C8B-B14F-4D97-AF65-F5344CB8AC3E}">
+        <p14:creationId xmlns:p14="http://schemas.microsoft.com/office/powerpoint/2010/main" val="3098546463"/>
+      </p:ext>
+    </p:extLst>
+  </p:cSld>
+  <p:clrMapOvr>
+    <a:masterClrMapping/>
+  </p:clrMapOvr>
+</p:sld>
+</file>
+
+<file path=ppt/slides/slide14.xml><?xml version="1.0" encoding="utf-8"?>
 <p:sld xmlns:a="http://schemas.openxmlformats.org/drawingml/2006/main" xmlns:r="http://schemas.openxmlformats.org/officeDocument/2006/relationships" xmlns:p="http://schemas.openxmlformats.org/presentationml/2006/main">
   <p:cSld>
     <p:bg>
@@ -7416,7 +7942,7 @@
                 <a:ea typeface="Calibri" panose="020F0502020204030204" pitchFamily="34" charset="0"/>
                 <a:cs typeface="Times New Roman" panose="02020603050405020304" pitchFamily="18" charset="0"/>
               </a:rPr>
-              <a:t>- Compare the staff-turnover rate and the QM rating</a:t>
+              <a:t>- Compare the staff-turnover rate and the QM (Quality Measure) rating </a:t>
             </a:r>
             <a:br>
               <a:rPr lang="en-US" sz="2200" i="0" dirty="0">

--- a/Nursing home quality in OK.pptx
+++ b/Nursing home quality in OK.pptx
@@ -6,8 +6,8 @@
   </p:sldMasterIdLst>
   <p:sldIdLst>
     <p:sldId id="256" r:id="rId2"/>
-    <p:sldId id="258" r:id="rId3"/>
-    <p:sldId id="259" r:id="rId4"/>
+    <p:sldId id="259" r:id="rId3"/>
+    <p:sldId id="258" r:id="rId4"/>
     <p:sldId id="266" r:id="rId5"/>
     <p:sldId id="278" r:id="rId6"/>
     <p:sldId id="267" r:id="rId7"/>
@@ -546,7 +546,7 @@
           <a:p>
             <a:fld id="{53BEF823-48A5-43FC-BE03-E79964288B41}" type="datetimeFigureOut">
               <a:rPr lang="en-US" smtClean="0"/>
-              <a:t>7/26/2023</a:t>
+              <a:t>7/27/2023</a:t>
             </a:fld>
             <a:endParaRPr lang="en-US" dirty="0"/>
           </a:p>
@@ -757,7 +757,7 @@
             <a:fld id="{53BEF823-48A5-43FC-BE03-E79964288B41}" type="datetimeFigureOut">
               <a:rPr lang="en-US" smtClean="0"/>
               <a:pPr algn="r"/>
-              <a:t>7/26/2023</a:t>
+              <a:t>7/27/2023</a:t>
             </a:fld>
             <a:endParaRPr lang="en-US" dirty="0"/>
           </a:p>
@@ -972,7 +972,7 @@
             <a:fld id="{53BEF823-48A5-43FC-BE03-E79964288B41}" type="datetimeFigureOut">
               <a:rPr lang="en-US" smtClean="0"/>
               <a:pPr algn="r"/>
-              <a:t>7/26/2023</a:t>
+              <a:t>7/27/2023</a:t>
             </a:fld>
             <a:endParaRPr lang="en-US" dirty="0"/>
           </a:p>
@@ -1175,7 +1175,7 @@
             <a:fld id="{53BEF823-48A5-43FC-BE03-E79964288B41}" type="datetimeFigureOut">
               <a:rPr lang="en-US" smtClean="0"/>
               <a:pPr algn="r"/>
-              <a:t>7/26/2023</a:t>
+              <a:t>7/27/2023</a:t>
             </a:fld>
             <a:endParaRPr lang="en-US" dirty="0"/>
           </a:p>
@@ -1459,7 +1459,7 @@
             <a:fld id="{53BEF823-48A5-43FC-BE03-E79964288B41}" type="datetimeFigureOut">
               <a:rPr lang="en-US" smtClean="0"/>
               <a:pPr algn="r"/>
-              <a:t>7/26/2023</a:t>
+              <a:t>7/27/2023</a:t>
             </a:fld>
             <a:endParaRPr lang="en-US" dirty="0"/>
           </a:p>
@@ -1703,7 +1703,7 @@
             <a:fld id="{53BEF823-48A5-43FC-BE03-E79964288B41}" type="datetimeFigureOut">
               <a:rPr lang="en-US" smtClean="0"/>
               <a:pPr algn="r"/>
-              <a:t>7/26/2023</a:t>
+              <a:t>7/27/2023</a:t>
             </a:fld>
             <a:endParaRPr lang="en-US" dirty="0"/>
           </a:p>
@@ -2146,7 +2146,7 @@
             <a:fld id="{53BEF823-48A5-43FC-BE03-E79964288B41}" type="datetimeFigureOut">
               <a:rPr lang="en-US" smtClean="0"/>
               <a:pPr algn="r"/>
-              <a:t>7/26/2023</a:t>
+              <a:t>7/27/2023</a:t>
             </a:fld>
             <a:endParaRPr lang="en-US" dirty="0"/>
           </a:p>
@@ -2292,7 +2292,7 @@
             <a:fld id="{53BEF823-48A5-43FC-BE03-E79964288B41}" type="datetimeFigureOut">
               <a:rPr lang="en-US" smtClean="0"/>
               <a:pPr algn="r"/>
-              <a:t>7/26/2023</a:t>
+              <a:t>7/27/2023</a:t>
             </a:fld>
             <a:endParaRPr lang="en-US" dirty="0"/>
           </a:p>
@@ -2410,7 +2410,7 @@
             <a:fld id="{53BEF823-48A5-43FC-BE03-E79964288B41}" type="datetimeFigureOut">
               <a:rPr lang="en-US" smtClean="0"/>
               <a:pPr algn="r"/>
-              <a:t>7/26/2023</a:t>
+              <a:t>7/27/2023</a:t>
             </a:fld>
             <a:endParaRPr lang="en-US" dirty="0"/>
           </a:p>
@@ -2694,7 +2694,7 @@
             <a:fld id="{53BEF823-48A5-43FC-BE03-E79964288B41}" type="datetimeFigureOut">
               <a:rPr lang="en-US" smtClean="0"/>
               <a:pPr algn="r"/>
-              <a:t>7/26/2023</a:t>
+              <a:t>7/27/2023</a:t>
             </a:fld>
             <a:endParaRPr lang="en-US" dirty="0"/>
           </a:p>
@@ -2989,7 +2989,7 @@
             <a:fld id="{53BEF823-48A5-43FC-BE03-E79964288B41}" type="datetimeFigureOut">
               <a:rPr lang="en-US" smtClean="0"/>
               <a:pPr algn="r"/>
-              <a:t>7/26/2023</a:t>
+              <a:t>7/27/2023</a:t>
             </a:fld>
             <a:endParaRPr lang="en-US" dirty="0"/>
           </a:p>
@@ -3484,7 +3484,7 @@
             <a:fld id="{53BEF823-48A5-43FC-BE03-E79964288B41}" type="datetimeFigureOut">
               <a:rPr lang="en-US" smtClean="0"/>
               <a:pPr algn="r"/>
-              <a:t>7/26/2023</a:t>
+              <a:t>7/27/2023</a:t>
             </a:fld>
             <a:endParaRPr lang="en-US" dirty="0"/>
           </a:p>
@@ -6890,679 +6890,6 @@
       </p:grpSpPr>
       <p:sp>
         <p:nvSpPr>
-          <p:cNvPr id="10" name="Freeform 6">
-            <a:extLst>
-              <a:ext uri="{FF2B5EF4-FFF2-40B4-BE49-F238E27FC236}">
-                <a16:creationId xmlns:a16="http://schemas.microsoft.com/office/drawing/2014/main" id="{DD4C4B28-6B4B-4445-8535-F516D74E4AA9}"/>
-              </a:ext>
-              <a:ext uri="{C183D7F6-B498-43B3-948B-1728B52AA6E4}">
-                <adec:decorative xmlns:adec="http://schemas.microsoft.com/office/drawing/2017/decorative" val="1"/>
-              </a:ext>
-            </a:extLst>
-          </p:cNvPr>
-          <p:cNvSpPr>
-            <a:spLocks noGrp="1" noRot="1" noChangeAspect="1" noMove="1" noResize="1" noEditPoints="1" noAdjustHandles="1" noChangeArrowheads="1" noChangeShapeType="1" noTextEdit="1"/>
-          </p:cNvSpPr>
-          <p:nvPr>
-            <p:extLst>
-              <p:ext uri="{386F3935-93C4-4BCD-93E2-E3B085C9AB24}">
-                <p16:designElem xmlns:p16="http://schemas.microsoft.com/office/powerpoint/2015/main" val="1"/>
-              </p:ext>
-            </p:extLst>
-          </p:nvPr>
-        </p:nvSpPr>
-        <p:spPr bwMode="auto">
-          <a:xfrm>
-            <a:off x="11784011" y="5783564"/>
-            <a:ext cx="407988" cy="819150"/>
-          </a:xfrm>
-          <a:custGeom>
-            <a:avLst/>
-            <a:gdLst/>
-            <a:ahLst/>
-            <a:cxnLst/>
-            <a:rect l="0" t="0" r="r" b="b"/>
-            <a:pathLst>
-              <a:path w="1799" h="3612">
-                <a:moveTo>
-                  <a:pt x="1799" y="0"/>
-                </a:moveTo>
-                <a:lnTo>
-                  <a:pt x="1799" y="3612"/>
-                </a:lnTo>
-                <a:lnTo>
-                  <a:pt x="1686" y="3609"/>
-                </a:lnTo>
-                <a:lnTo>
-                  <a:pt x="1574" y="3598"/>
-                </a:lnTo>
-                <a:lnTo>
-                  <a:pt x="1464" y="3581"/>
-                </a:lnTo>
-                <a:lnTo>
-                  <a:pt x="1357" y="3557"/>
-                </a:lnTo>
-                <a:lnTo>
-                  <a:pt x="1251" y="3527"/>
-                </a:lnTo>
-                <a:lnTo>
-                  <a:pt x="1150" y="3490"/>
-                </a:lnTo>
-                <a:lnTo>
-                  <a:pt x="1050" y="3448"/>
-                </a:lnTo>
-                <a:lnTo>
-                  <a:pt x="953" y="3401"/>
-                </a:lnTo>
-                <a:lnTo>
-                  <a:pt x="860" y="3347"/>
-                </a:lnTo>
-                <a:lnTo>
-                  <a:pt x="771" y="3289"/>
-                </a:lnTo>
-                <a:lnTo>
-                  <a:pt x="686" y="3224"/>
-                </a:lnTo>
-                <a:lnTo>
-                  <a:pt x="604" y="3156"/>
-                </a:lnTo>
-                <a:lnTo>
-                  <a:pt x="527" y="3083"/>
-                </a:lnTo>
-                <a:lnTo>
-                  <a:pt x="454" y="3005"/>
-                </a:lnTo>
-                <a:lnTo>
-                  <a:pt x="386" y="2923"/>
-                </a:lnTo>
-                <a:lnTo>
-                  <a:pt x="323" y="2838"/>
-                </a:lnTo>
-                <a:lnTo>
-                  <a:pt x="265" y="2748"/>
-                </a:lnTo>
-                <a:lnTo>
-                  <a:pt x="211" y="2655"/>
-                </a:lnTo>
-                <a:lnTo>
-                  <a:pt x="163" y="2559"/>
-                </a:lnTo>
-                <a:lnTo>
-                  <a:pt x="121" y="2459"/>
-                </a:lnTo>
-                <a:lnTo>
-                  <a:pt x="85" y="2356"/>
-                </a:lnTo>
-                <a:lnTo>
-                  <a:pt x="55" y="2251"/>
-                </a:lnTo>
-                <a:lnTo>
-                  <a:pt x="32" y="2143"/>
-                </a:lnTo>
-                <a:lnTo>
-                  <a:pt x="14" y="2033"/>
-                </a:lnTo>
-                <a:lnTo>
-                  <a:pt x="4" y="1920"/>
-                </a:lnTo>
-                <a:lnTo>
-                  <a:pt x="0" y="1806"/>
-                </a:lnTo>
-                <a:lnTo>
-                  <a:pt x="4" y="1692"/>
-                </a:lnTo>
-                <a:lnTo>
-                  <a:pt x="14" y="1580"/>
-                </a:lnTo>
-                <a:lnTo>
-                  <a:pt x="32" y="1469"/>
-                </a:lnTo>
-                <a:lnTo>
-                  <a:pt x="55" y="1362"/>
-                </a:lnTo>
-                <a:lnTo>
-                  <a:pt x="85" y="1256"/>
-                </a:lnTo>
-                <a:lnTo>
-                  <a:pt x="121" y="1154"/>
-                </a:lnTo>
-                <a:lnTo>
-                  <a:pt x="163" y="1054"/>
-                </a:lnTo>
-                <a:lnTo>
-                  <a:pt x="211" y="958"/>
-                </a:lnTo>
-                <a:lnTo>
-                  <a:pt x="265" y="864"/>
-                </a:lnTo>
-                <a:lnTo>
-                  <a:pt x="323" y="774"/>
-                </a:lnTo>
-                <a:lnTo>
-                  <a:pt x="386" y="689"/>
-                </a:lnTo>
-                <a:lnTo>
-                  <a:pt x="454" y="607"/>
-                </a:lnTo>
-                <a:lnTo>
-                  <a:pt x="527" y="529"/>
-                </a:lnTo>
-                <a:lnTo>
-                  <a:pt x="604" y="456"/>
-                </a:lnTo>
-                <a:lnTo>
-                  <a:pt x="686" y="388"/>
-                </a:lnTo>
-                <a:lnTo>
-                  <a:pt x="771" y="325"/>
-                </a:lnTo>
-                <a:lnTo>
-                  <a:pt x="860" y="266"/>
-                </a:lnTo>
-                <a:lnTo>
-                  <a:pt x="953" y="212"/>
-                </a:lnTo>
-                <a:lnTo>
-                  <a:pt x="1050" y="164"/>
-                </a:lnTo>
-                <a:lnTo>
-                  <a:pt x="1150" y="122"/>
-                </a:lnTo>
-                <a:lnTo>
-                  <a:pt x="1251" y="85"/>
-                </a:lnTo>
-                <a:lnTo>
-                  <a:pt x="1357" y="55"/>
-                </a:lnTo>
-                <a:lnTo>
-                  <a:pt x="1464" y="32"/>
-                </a:lnTo>
-                <a:lnTo>
-                  <a:pt x="1574" y="14"/>
-                </a:lnTo>
-                <a:lnTo>
-                  <a:pt x="1686" y="5"/>
-                </a:lnTo>
-                <a:lnTo>
-                  <a:pt x="1799" y="0"/>
-                </a:lnTo>
-                <a:close/>
-              </a:path>
-            </a:pathLst>
-          </a:custGeom>
-          <a:solidFill>
-            <a:schemeClr val="tx1">
-              <a:lumMod val="85000"/>
-              <a:lumOff val="15000"/>
-            </a:schemeClr>
-          </a:solidFill>
-          <a:ln w="0">
-            <a:noFill/>
-            <a:prstDash val="solid"/>
-            <a:round/>
-            <a:headEnd/>
-            <a:tailEnd/>
-          </a:ln>
-        </p:spPr>
-        <p:txBody>
-          <a:bodyPr anchor="ctr"/>
-          <a:lstStyle/>
-          <a:p>
-            <a:endParaRPr lang="en-US"/>
-          </a:p>
-        </p:txBody>
-      </p:sp>
-      <p:cxnSp>
-        <p:nvCxnSpPr>
-          <p:cNvPr id="12" name="Straight Connector 11">
-            <a:extLst>
-              <a:ext uri="{FF2B5EF4-FFF2-40B4-BE49-F238E27FC236}">
-                <a16:creationId xmlns:a16="http://schemas.microsoft.com/office/drawing/2014/main" id="{0CB1C732-7193-4253-8746-850D090A6B4E}"/>
-              </a:ext>
-              <a:ext uri="{C183D7F6-B498-43B3-948B-1728B52AA6E4}">
-                <adec:decorative xmlns:adec="http://schemas.microsoft.com/office/drawing/2017/decorative" val="1"/>
-              </a:ext>
-            </a:extLst>
-          </p:cNvPr>
-          <p:cNvCxnSpPr>
-            <a:cxnSpLocks noGrp="1" noRot="1" noChangeAspect="1" noMove="1" noResize="1" noEditPoints="1" noAdjustHandles="1" noChangeArrowheads="1" noChangeShapeType="1"/>
-          </p:cNvCxnSpPr>
-          <p:nvPr>
-            <p:extLst>
-              <p:ext uri="{386F3935-93C4-4BCD-93E2-E3B085C9AB24}">
-                <p16:designElem xmlns:p16="http://schemas.microsoft.com/office/powerpoint/2015/main" val="1"/>
-              </p:ext>
-            </p:extLst>
-          </p:nvPr>
-        </p:nvCxnSpPr>
-        <p:spPr>
-          <a:xfrm>
-            <a:off x="758952" y="1280160"/>
-            <a:ext cx="0" cy="5577840"/>
-          </a:xfrm>
-          <a:prstGeom prst="line">
-            <a:avLst/>
-          </a:prstGeom>
-          <a:ln w="19050">
-            <a:solidFill>
-              <a:schemeClr val="tx2"/>
-            </a:solidFill>
-          </a:ln>
-        </p:spPr>
-        <p:style>
-          <a:lnRef idx="1">
-            <a:schemeClr val="accent1"/>
-          </a:lnRef>
-          <a:fillRef idx="0">
-            <a:schemeClr val="accent1"/>
-          </a:fillRef>
-          <a:effectRef idx="0">
-            <a:schemeClr val="accent1"/>
-          </a:effectRef>
-          <a:fontRef idx="minor">
-            <a:schemeClr val="tx1"/>
-          </a:fontRef>
-        </p:style>
-      </p:cxnSp>
-      <p:sp useBgFill="1">
-        <p:nvSpPr>
-          <p:cNvPr id="14" name="Rectangle 13">
-            <a:extLst>
-              <a:ext uri="{FF2B5EF4-FFF2-40B4-BE49-F238E27FC236}">
-                <a16:creationId xmlns:a16="http://schemas.microsoft.com/office/drawing/2014/main" id="{55B419A7-F817-4767-8CCB-FB0E189C4ACD}"/>
-              </a:ext>
-              <a:ext uri="{C183D7F6-B498-43B3-948B-1728B52AA6E4}">
-                <adec:decorative xmlns:adec="http://schemas.microsoft.com/office/drawing/2017/decorative" val="1"/>
-              </a:ext>
-            </a:extLst>
-          </p:cNvPr>
-          <p:cNvSpPr>
-            <a:spLocks noGrp="1" noRot="1" noChangeAspect="1" noMove="1" noResize="1" noEditPoints="1" noAdjustHandles="1" noChangeArrowheads="1" noChangeShapeType="1" noTextEdit="1"/>
-          </p:cNvSpPr>
-          <p:nvPr>
-            <p:extLst>
-              <p:ext uri="{386F3935-93C4-4BCD-93E2-E3B085C9AB24}">
-                <p16:designElem xmlns:p16="http://schemas.microsoft.com/office/powerpoint/2015/main" val="1"/>
-              </p:ext>
-            </p:extLst>
-          </p:nvPr>
-        </p:nvSpPr>
-        <p:spPr>
-          <a:xfrm>
-            <a:off x="0" y="0"/>
-            <a:ext cx="12192000" cy="6858000"/>
-          </a:xfrm>
-          <a:prstGeom prst="rect">
-            <a:avLst/>
-          </a:prstGeom>
-          <a:ln>
-            <a:noFill/>
-          </a:ln>
-        </p:spPr>
-        <p:style>
-          <a:lnRef idx="2">
-            <a:schemeClr val="accent1">
-              <a:shade val="50000"/>
-            </a:schemeClr>
-          </a:lnRef>
-          <a:fillRef idx="1">
-            <a:schemeClr val="accent1"/>
-          </a:fillRef>
-          <a:effectRef idx="0">
-            <a:schemeClr val="accent1"/>
-          </a:effectRef>
-          <a:fontRef idx="minor">
-            <a:schemeClr val="lt1"/>
-          </a:fontRef>
-        </p:style>
-        <p:txBody>
-          <a:bodyPr rtlCol="0" anchor="ctr"/>
-          <a:lstStyle/>
-          <a:p>
-            <a:pPr algn="ctr"/>
-            <a:endParaRPr lang="en-US"/>
-          </a:p>
-        </p:txBody>
-      </p:sp>
-      <p:sp>
-        <p:nvSpPr>
-          <p:cNvPr id="2" name="Title 1">
-            <a:extLst>
-              <a:ext uri="{FF2B5EF4-FFF2-40B4-BE49-F238E27FC236}">
-                <a16:creationId xmlns:a16="http://schemas.microsoft.com/office/drawing/2014/main" id="{9A2F30FF-0767-E5B7-20B0-430A3A14A83E}"/>
-              </a:ext>
-            </a:extLst>
-          </p:cNvPr>
-          <p:cNvSpPr>
-            <a:spLocks noGrp="1"/>
-          </p:cNvSpPr>
-          <p:nvPr>
-            <p:ph type="title"/>
-          </p:nvPr>
-        </p:nvSpPr>
-        <p:spPr>
-          <a:xfrm>
-            <a:off x="7587181" y="893935"/>
-            <a:ext cx="4011261" cy="3339390"/>
-          </a:xfrm>
-        </p:spPr>
-        <p:txBody>
-          <a:bodyPr vert="horz" lIns="91440" tIns="45720" rIns="91440" bIns="45720" rtlCol="0" anchor="b">
-            <a:normAutofit/>
-          </a:bodyPr>
-          <a:lstStyle/>
-          <a:p>
-            <a:r>
-              <a:rPr lang="en-US" sz="3800" dirty="0"/>
-              <a:t>There are 297 nursing homes in Oklahoma homing with approximately 17,213 seniors.</a:t>
-            </a:r>
-          </a:p>
-        </p:txBody>
-      </p:sp>
-      <p:pic>
-        <p:nvPicPr>
-          <p:cNvPr id="5" name="Content Placeholder 4" descr="Couple holding cane">
-            <a:extLst>
-              <a:ext uri="{FF2B5EF4-FFF2-40B4-BE49-F238E27FC236}">
-                <a16:creationId xmlns:a16="http://schemas.microsoft.com/office/drawing/2014/main" id="{BA8BADB2-49BE-46D7-F360-3C4B43641F2C}"/>
-              </a:ext>
-            </a:extLst>
-          </p:cNvPr>
-          <p:cNvPicPr>
-            <a:picLocks noGrp="1" noChangeAspect="1"/>
-          </p:cNvPicPr>
-          <p:nvPr>
-            <p:ph idx="1"/>
-          </p:nvPr>
-        </p:nvPicPr>
-        <p:blipFill rotWithShape="1">
-          <a:blip r:embed="rId2">
-            <a:extLst>
-              <a:ext uri="{28A0092B-C50C-407E-A947-70E740481C1C}">
-                <a14:useLocalDpi xmlns:a14="http://schemas.microsoft.com/office/drawing/2010/main" val="0"/>
-              </a:ext>
-            </a:extLst>
-          </a:blip>
-          <a:srcRect l="20960" r="9909" b="-1"/>
-          <a:stretch/>
-        </p:blipFill>
-        <p:spPr>
-          <a:xfrm>
-            <a:off x="20" y="10"/>
-            <a:ext cx="7102529" cy="6857990"/>
-          </a:xfrm>
-          <a:prstGeom prst="rect">
-            <a:avLst/>
-          </a:prstGeom>
-        </p:spPr>
-      </p:pic>
-      <p:sp>
-        <p:nvSpPr>
-          <p:cNvPr id="16" name="Freeform 6">
-            <a:extLst>
-              <a:ext uri="{FF2B5EF4-FFF2-40B4-BE49-F238E27FC236}">
-                <a16:creationId xmlns:a16="http://schemas.microsoft.com/office/drawing/2014/main" id="{ADA271CD-3011-4A05-B4A3-80F1794684F2}"/>
-              </a:ext>
-              <a:ext uri="{C183D7F6-B498-43B3-948B-1728B52AA6E4}">
-                <adec:decorative xmlns:adec="http://schemas.microsoft.com/office/drawing/2017/decorative" val="1"/>
-              </a:ext>
-            </a:extLst>
-          </p:cNvPr>
-          <p:cNvSpPr>
-            <a:spLocks noGrp="1" noRot="1" noChangeAspect="1" noMove="1" noResize="1" noEditPoints="1" noAdjustHandles="1" noChangeArrowheads="1" noChangeShapeType="1" noTextEdit="1"/>
-          </p:cNvSpPr>
-          <p:nvPr>
-            <p:extLst>
-              <p:ext uri="{386F3935-93C4-4BCD-93E2-E3B085C9AB24}">
-                <p16:designElem xmlns:p16="http://schemas.microsoft.com/office/powerpoint/2015/main" val="1"/>
-              </p:ext>
-            </p:extLst>
-          </p:nvPr>
-        </p:nvSpPr>
-        <p:spPr bwMode="auto">
-          <a:xfrm>
-            <a:off x="11784011" y="5788152"/>
-            <a:ext cx="407988" cy="819150"/>
-          </a:xfrm>
-          <a:custGeom>
-            <a:avLst/>
-            <a:gdLst/>
-            <a:ahLst/>
-            <a:cxnLst/>
-            <a:rect l="0" t="0" r="r" b="b"/>
-            <a:pathLst>
-              <a:path w="1799" h="3612">
-                <a:moveTo>
-                  <a:pt x="1799" y="0"/>
-                </a:moveTo>
-                <a:lnTo>
-                  <a:pt x="1799" y="3612"/>
-                </a:lnTo>
-                <a:lnTo>
-                  <a:pt x="1686" y="3609"/>
-                </a:lnTo>
-                <a:lnTo>
-                  <a:pt x="1574" y="3598"/>
-                </a:lnTo>
-                <a:lnTo>
-                  <a:pt x="1464" y="3581"/>
-                </a:lnTo>
-                <a:lnTo>
-                  <a:pt x="1357" y="3557"/>
-                </a:lnTo>
-                <a:lnTo>
-                  <a:pt x="1251" y="3527"/>
-                </a:lnTo>
-                <a:lnTo>
-                  <a:pt x="1150" y="3490"/>
-                </a:lnTo>
-                <a:lnTo>
-                  <a:pt x="1050" y="3448"/>
-                </a:lnTo>
-                <a:lnTo>
-                  <a:pt x="953" y="3401"/>
-                </a:lnTo>
-                <a:lnTo>
-                  <a:pt x="860" y="3347"/>
-                </a:lnTo>
-                <a:lnTo>
-                  <a:pt x="771" y="3289"/>
-                </a:lnTo>
-                <a:lnTo>
-                  <a:pt x="686" y="3224"/>
-                </a:lnTo>
-                <a:lnTo>
-                  <a:pt x="604" y="3156"/>
-                </a:lnTo>
-                <a:lnTo>
-                  <a:pt x="527" y="3083"/>
-                </a:lnTo>
-                <a:lnTo>
-                  <a:pt x="454" y="3005"/>
-                </a:lnTo>
-                <a:lnTo>
-                  <a:pt x="386" y="2923"/>
-                </a:lnTo>
-                <a:lnTo>
-                  <a:pt x="323" y="2838"/>
-                </a:lnTo>
-                <a:lnTo>
-                  <a:pt x="265" y="2748"/>
-                </a:lnTo>
-                <a:lnTo>
-                  <a:pt x="211" y="2655"/>
-                </a:lnTo>
-                <a:lnTo>
-                  <a:pt x="163" y="2559"/>
-                </a:lnTo>
-                <a:lnTo>
-                  <a:pt x="121" y="2459"/>
-                </a:lnTo>
-                <a:lnTo>
-                  <a:pt x="85" y="2356"/>
-                </a:lnTo>
-                <a:lnTo>
-                  <a:pt x="55" y="2251"/>
-                </a:lnTo>
-                <a:lnTo>
-                  <a:pt x="32" y="2143"/>
-                </a:lnTo>
-                <a:lnTo>
-                  <a:pt x="14" y="2033"/>
-                </a:lnTo>
-                <a:lnTo>
-                  <a:pt x="4" y="1920"/>
-                </a:lnTo>
-                <a:lnTo>
-                  <a:pt x="0" y="1806"/>
-                </a:lnTo>
-                <a:lnTo>
-                  <a:pt x="4" y="1692"/>
-                </a:lnTo>
-                <a:lnTo>
-                  <a:pt x="14" y="1580"/>
-                </a:lnTo>
-                <a:lnTo>
-                  <a:pt x="32" y="1469"/>
-                </a:lnTo>
-                <a:lnTo>
-                  <a:pt x="55" y="1362"/>
-                </a:lnTo>
-                <a:lnTo>
-                  <a:pt x="85" y="1256"/>
-                </a:lnTo>
-                <a:lnTo>
-                  <a:pt x="121" y="1154"/>
-                </a:lnTo>
-                <a:lnTo>
-                  <a:pt x="163" y="1054"/>
-                </a:lnTo>
-                <a:lnTo>
-                  <a:pt x="211" y="958"/>
-                </a:lnTo>
-                <a:lnTo>
-                  <a:pt x="265" y="864"/>
-                </a:lnTo>
-                <a:lnTo>
-                  <a:pt x="323" y="774"/>
-                </a:lnTo>
-                <a:lnTo>
-                  <a:pt x="386" y="689"/>
-                </a:lnTo>
-                <a:lnTo>
-                  <a:pt x="454" y="607"/>
-                </a:lnTo>
-                <a:lnTo>
-                  <a:pt x="527" y="529"/>
-                </a:lnTo>
-                <a:lnTo>
-                  <a:pt x="604" y="456"/>
-                </a:lnTo>
-                <a:lnTo>
-                  <a:pt x="686" y="388"/>
-                </a:lnTo>
-                <a:lnTo>
-                  <a:pt x="771" y="325"/>
-                </a:lnTo>
-                <a:lnTo>
-                  <a:pt x="860" y="266"/>
-                </a:lnTo>
-                <a:lnTo>
-                  <a:pt x="953" y="212"/>
-                </a:lnTo>
-                <a:lnTo>
-                  <a:pt x="1050" y="164"/>
-                </a:lnTo>
-                <a:lnTo>
-                  <a:pt x="1150" y="122"/>
-                </a:lnTo>
-                <a:lnTo>
-                  <a:pt x="1251" y="85"/>
-                </a:lnTo>
-                <a:lnTo>
-                  <a:pt x="1357" y="55"/>
-                </a:lnTo>
-                <a:lnTo>
-                  <a:pt x="1464" y="32"/>
-                </a:lnTo>
-                <a:lnTo>
-                  <a:pt x="1574" y="14"/>
-                </a:lnTo>
-                <a:lnTo>
-                  <a:pt x="1686" y="5"/>
-                </a:lnTo>
-                <a:lnTo>
-                  <a:pt x="1799" y="0"/>
-                </a:lnTo>
-                <a:close/>
-              </a:path>
-            </a:pathLst>
-          </a:custGeom>
-          <a:solidFill>
-            <a:schemeClr val="tx1">
-              <a:lumMod val="85000"/>
-              <a:lumOff val="15000"/>
-            </a:schemeClr>
-          </a:solidFill>
-          <a:ln w="0">
-            <a:noFill/>
-            <a:prstDash val="solid"/>
-            <a:round/>
-            <a:headEnd/>
-            <a:tailEnd/>
-          </a:ln>
-        </p:spPr>
-        <p:txBody>
-          <a:bodyPr anchor="ctr"/>
-          <a:lstStyle/>
-          <a:p>
-            <a:endParaRPr lang="en-US"/>
-          </a:p>
-        </p:txBody>
-      </p:sp>
-    </p:spTree>
-    <p:extLst>
-      <p:ext uri="{BB962C8B-B14F-4D97-AF65-F5344CB8AC3E}">
-        <p14:creationId xmlns:p14="http://schemas.microsoft.com/office/powerpoint/2010/main" val="2605134854"/>
-      </p:ext>
-    </p:extLst>
-  </p:cSld>
-  <p:clrMapOvr>
-    <a:masterClrMapping/>
-  </p:clrMapOvr>
-</p:sld>
-</file>
-
-<file path=ppt/slides/slide3.xml><?xml version="1.0" encoding="utf-8"?>
-<p:sld xmlns:a="http://schemas.openxmlformats.org/drawingml/2006/main" xmlns:r="http://schemas.openxmlformats.org/officeDocument/2006/relationships" xmlns:p="http://schemas.openxmlformats.org/presentationml/2006/main">
-  <p:cSld>
-    <p:bg>
-      <p:bgPr>
-        <a:solidFill>
-          <a:schemeClr val="bg1">
-            <a:tint val="98000"/>
-            <a:satMod val="170000"/>
-          </a:schemeClr>
-        </a:solidFill>
-        <a:effectLst/>
-      </p:bgPr>
-    </p:bg>
-    <p:spTree>
-      <p:nvGrpSpPr>
-        <p:cNvPr id="1" name=""/>
-        <p:cNvGrpSpPr/>
-        <p:nvPr/>
-      </p:nvGrpSpPr>
-      <p:grpSpPr>
-        <a:xfrm>
-          <a:off x="0" y="0"/>
-          <a:ext cx="0" cy="0"/>
-          <a:chOff x="0" y="0"/>
-          <a:chExt cx="0" cy="0"/>
-        </a:xfrm>
-      </p:grpSpPr>
-      <p:sp>
-        <p:nvSpPr>
           <p:cNvPr id="34" name="Freeform 6">
             <a:extLst>
               <a:ext uri="{FF2B5EF4-FFF2-40B4-BE49-F238E27FC236}">
@@ -8343,6 +7670,679 @@
     <p:extLst>
       <p:ext uri="{BB962C8B-B14F-4D97-AF65-F5344CB8AC3E}">
         <p14:creationId xmlns:p14="http://schemas.microsoft.com/office/powerpoint/2010/main" val="2704499376"/>
+      </p:ext>
+    </p:extLst>
+  </p:cSld>
+  <p:clrMapOvr>
+    <a:masterClrMapping/>
+  </p:clrMapOvr>
+</p:sld>
+</file>
+
+<file path=ppt/slides/slide3.xml><?xml version="1.0" encoding="utf-8"?>
+<p:sld xmlns:a="http://schemas.openxmlformats.org/drawingml/2006/main" xmlns:r="http://schemas.openxmlformats.org/officeDocument/2006/relationships" xmlns:p="http://schemas.openxmlformats.org/presentationml/2006/main">
+  <p:cSld>
+    <p:bg>
+      <p:bgPr>
+        <a:solidFill>
+          <a:schemeClr val="bg1">
+            <a:tint val="98000"/>
+            <a:satMod val="170000"/>
+          </a:schemeClr>
+        </a:solidFill>
+        <a:effectLst/>
+      </p:bgPr>
+    </p:bg>
+    <p:spTree>
+      <p:nvGrpSpPr>
+        <p:cNvPr id="1" name=""/>
+        <p:cNvGrpSpPr/>
+        <p:nvPr/>
+      </p:nvGrpSpPr>
+      <p:grpSpPr>
+        <a:xfrm>
+          <a:off x="0" y="0"/>
+          <a:ext cx="0" cy="0"/>
+          <a:chOff x="0" y="0"/>
+          <a:chExt cx="0" cy="0"/>
+        </a:xfrm>
+      </p:grpSpPr>
+      <p:sp>
+        <p:nvSpPr>
+          <p:cNvPr id="10" name="Freeform 6">
+            <a:extLst>
+              <a:ext uri="{FF2B5EF4-FFF2-40B4-BE49-F238E27FC236}">
+                <a16:creationId xmlns:a16="http://schemas.microsoft.com/office/drawing/2014/main" id="{DD4C4B28-6B4B-4445-8535-F516D74E4AA9}"/>
+              </a:ext>
+              <a:ext uri="{C183D7F6-B498-43B3-948B-1728B52AA6E4}">
+                <adec:decorative xmlns:adec="http://schemas.microsoft.com/office/drawing/2017/decorative" val="1"/>
+              </a:ext>
+            </a:extLst>
+          </p:cNvPr>
+          <p:cNvSpPr>
+            <a:spLocks noGrp="1" noRot="1" noChangeAspect="1" noMove="1" noResize="1" noEditPoints="1" noAdjustHandles="1" noChangeArrowheads="1" noChangeShapeType="1" noTextEdit="1"/>
+          </p:cNvSpPr>
+          <p:nvPr>
+            <p:extLst>
+              <p:ext uri="{386F3935-93C4-4BCD-93E2-E3B085C9AB24}">
+                <p16:designElem xmlns:p16="http://schemas.microsoft.com/office/powerpoint/2015/main" val="1"/>
+              </p:ext>
+            </p:extLst>
+          </p:nvPr>
+        </p:nvSpPr>
+        <p:spPr bwMode="auto">
+          <a:xfrm>
+            <a:off x="11784011" y="5783564"/>
+            <a:ext cx="407988" cy="819150"/>
+          </a:xfrm>
+          <a:custGeom>
+            <a:avLst/>
+            <a:gdLst/>
+            <a:ahLst/>
+            <a:cxnLst/>
+            <a:rect l="0" t="0" r="r" b="b"/>
+            <a:pathLst>
+              <a:path w="1799" h="3612">
+                <a:moveTo>
+                  <a:pt x="1799" y="0"/>
+                </a:moveTo>
+                <a:lnTo>
+                  <a:pt x="1799" y="3612"/>
+                </a:lnTo>
+                <a:lnTo>
+                  <a:pt x="1686" y="3609"/>
+                </a:lnTo>
+                <a:lnTo>
+                  <a:pt x="1574" y="3598"/>
+                </a:lnTo>
+                <a:lnTo>
+                  <a:pt x="1464" y="3581"/>
+                </a:lnTo>
+                <a:lnTo>
+                  <a:pt x="1357" y="3557"/>
+                </a:lnTo>
+                <a:lnTo>
+                  <a:pt x="1251" y="3527"/>
+                </a:lnTo>
+                <a:lnTo>
+                  <a:pt x="1150" y="3490"/>
+                </a:lnTo>
+                <a:lnTo>
+                  <a:pt x="1050" y="3448"/>
+                </a:lnTo>
+                <a:lnTo>
+                  <a:pt x="953" y="3401"/>
+                </a:lnTo>
+                <a:lnTo>
+                  <a:pt x="860" y="3347"/>
+                </a:lnTo>
+                <a:lnTo>
+                  <a:pt x="771" y="3289"/>
+                </a:lnTo>
+                <a:lnTo>
+                  <a:pt x="686" y="3224"/>
+                </a:lnTo>
+                <a:lnTo>
+                  <a:pt x="604" y="3156"/>
+                </a:lnTo>
+                <a:lnTo>
+                  <a:pt x="527" y="3083"/>
+                </a:lnTo>
+                <a:lnTo>
+                  <a:pt x="454" y="3005"/>
+                </a:lnTo>
+                <a:lnTo>
+                  <a:pt x="386" y="2923"/>
+                </a:lnTo>
+                <a:lnTo>
+                  <a:pt x="323" y="2838"/>
+                </a:lnTo>
+                <a:lnTo>
+                  <a:pt x="265" y="2748"/>
+                </a:lnTo>
+                <a:lnTo>
+                  <a:pt x="211" y="2655"/>
+                </a:lnTo>
+                <a:lnTo>
+                  <a:pt x="163" y="2559"/>
+                </a:lnTo>
+                <a:lnTo>
+                  <a:pt x="121" y="2459"/>
+                </a:lnTo>
+                <a:lnTo>
+                  <a:pt x="85" y="2356"/>
+                </a:lnTo>
+                <a:lnTo>
+                  <a:pt x="55" y="2251"/>
+                </a:lnTo>
+                <a:lnTo>
+                  <a:pt x="32" y="2143"/>
+                </a:lnTo>
+                <a:lnTo>
+                  <a:pt x="14" y="2033"/>
+                </a:lnTo>
+                <a:lnTo>
+                  <a:pt x="4" y="1920"/>
+                </a:lnTo>
+                <a:lnTo>
+                  <a:pt x="0" y="1806"/>
+                </a:lnTo>
+                <a:lnTo>
+                  <a:pt x="4" y="1692"/>
+                </a:lnTo>
+                <a:lnTo>
+                  <a:pt x="14" y="1580"/>
+                </a:lnTo>
+                <a:lnTo>
+                  <a:pt x="32" y="1469"/>
+                </a:lnTo>
+                <a:lnTo>
+                  <a:pt x="55" y="1362"/>
+                </a:lnTo>
+                <a:lnTo>
+                  <a:pt x="85" y="1256"/>
+                </a:lnTo>
+                <a:lnTo>
+                  <a:pt x="121" y="1154"/>
+                </a:lnTo>
+                <a:lnTo>
+                  <a:pt x="163" y="1054"/>
+                </a:lnTo>
+                <a:lnTo>
+                  <a:pt x="211" y="958"/>
+                </a:lnTo>
+                <a:lnTo>
+                  <a:pt x="265" y="864"/>
+                </a:lnTo>
+                <a:lnTo>
+                  <a:pt x="323" y="774"/>
+                </a:lnTo>
+                <a:lnTo>
+                  <a:pt x="386" y="689"/>
+                </a:lnTo>
+                <a:lnTo>
+                  <a:pt x="454" y="607"/>
+                </a:lnTo>
+                <a:lnTo>
+                  <a:pt x="527" y="529"/>
+                </a:lnTo>
+                <a:lnTo>
+                  <a:pt x="604" y="456"/>
+                </a:lnTo>
+                <a:lnTo>
+                  <a:pt x="686" y="388"/>
+                </a:lnTo>
+                <a:lnTo>
+                  <a:pt x="771" y="325"/>
+                </a:lnTo>
+                <a:lnTo>
+                  <a:pt x="860" y="266"/>
+                </a:lnTo>
+                <a:lnTo>
+                  <a:pt x="953" y="212"/>
+                </a:lnTo>
+                <a:lnTo>
+                  <a:pt x="1050" y="164"/>
+                </a:lnTo>
+                <a:lnTo>
+                  <a:pt x="1150" y="122"/>
+                </a:lnTo>
+                <a:lnTo>
+                  <a:pt x="1251" y="85"/>
+                </a:lnTo>
+                <a:lnTo>
+                  <a:pt x="1357" y="55"/>
+                </a:lnTo>
+                <a:lnTo>
+                  <a:pt x="1464" y="32"/>
+                </a:lnTo>
+                <a:lnTo>
+                  <a:pt x="1574" y="14"/>
+                </a:lnTo>
+                <a:lnTo>
+                  <a:pt x="1686" y="5"/>
+                </a:lnTo>
+                <a:lnTo>
+                  <a:pt x="1799" y="0"/>
+                </a:lnTo>
+                <a:close/>
+              </a:path>
+            </a:pathLst>
+          </a:custGeom>
+          <a:solidFill>
+            <a:schemeClr val="tx1">
+              <a:lumMod val="85000"/>
+              <a:lumOff val="15000"/>
+            </a:schemeClr>
+          </a:solidFill>
+          <a:ln w="0">
+            <a:noFill/>
+            <a:prstDash val="solid"/>
+            <a:round/>
+            <a:headEnd/>
+            <a:tailEnd/>
+          </a:ln>
+        </p:spPr>
+        <p:txBody>
+          <a:bodyPr anchor="ctr"/>
+          <a:lstStyle/>
+          <a:p>
+            <a:endParaRPr lang="en-US"/>
+          </a:p>
+        </p:txBody>
+      </p:sp>
+      <p:cxnSp>
+        <p:nvCxnSpPr>
+          <p:cNvPr id="12" name="Straight Connector 11">
+            <a:extLst>
+              <a:ext uri="{FF2B5EF4-FFF2-40B4-BE49-F238E27FC236}">
+                <a16:creationId xmlns:a16="http://schemas.microsoft.com/office/drawing/2014/main" id="{0CB1C732-7193-4253-8746-850D090A6B4E}"/>
+              </a:ext>
+              <a:ext uri="{C183D7F6-B498-43B3-948B-1728B52AA6E4}">
+                <adec:decorative xmlns:adec="http://schemas.microsoft.com/office/drawing/2017/decorative" val="1"/>
+              </a:ext>
+            </a:extLst>
+          </p:cNvPr>
+          <p:cNvCxnSpPr>
+            <a:cxnSpLocks noGrp="1" noRot="1" noChangeAspect="1" noMove="1" noResize="1" noEditPoints="1" noAdjustHandles="1" noChangeArrowheads="1" noChangeShapeType="1"/>
+          </p:cNvCxnSpPr>
+          <p:nvPr>
+            <p:extLst>
+              <p:ext uri="{386F3935-93C4-4BCD-93E2-E3B085C9AB24}">
+                <p16:designElem xmlns:p16="http://schemas.microsoft.com/office/powerpoint/2015/main" val="1"/>
+              </p:ext>
+            </p:extLst>
+          </p:nvPr>
+        </p:nvCxnSpPr>
+        <p:spPr>
+          <a:xfrm>
+            <a:off x="758952" y="1280160"/>
+            <a:ext cx="0" cy="5577840"/>
+          </a:xfrm>
+          <a:prstGeom prst="line">
+            <a:avLst/>
+          </a:prstGeom>
+          <a:ln w="19050">
+            <a:solidFill>
+              <a:schemeClr val="tx2"/>
+            </a:solidFill>
+          </a:ln>
+        </p:spPr>
+        <p:style>
+          <a:lnRef idx="1">
+            <a:schemeClr val="accent1"/>
+          </a:lnRef>
+          <a:fillRef idx="0">
+            <a:schemeClr val="accent1"/>
+          </a:fillRef>
+          <a:effectRef idx="0">
+            <a:schemeClr val="accent1"/>
+          </a:effectRef>
+          <a:fontRef idx="minor">
+            <a:schemeClr val="tx1"/>
+          </a:fontRef>
+        </p:style>
+      </p:cxnSp>
+      <p:sp useBgFill="1">
+        <p:nvSpPr>
+          <p:cNvPr id="14" name="Rectangle 13">
+            <a:extLst>
+              <a:ext uri="{FF2B5EF4-FFF2-40B4-BE49-F238E27FC236}">
+                <a16:creationId xmlns:a16="http://schemas.microsoft.com/office/drawing/2014/main" id="{55B419A7-F817-4767-8CCB-FB0E189C4ACD}"/>
+              </a:ext>
+              <a:ext uri="{C183D7F6-B498-43B3-948B-1728B52AA6E4}">
+                <adec:decorative xmlns:adec="http://schemas.microsoft.com/office/drawing/2017/decorative" val="1"/>
+              </a:ext>
+            </a:extLst>
+          </p:cNvPr>
+          <p:cNvSpPr>
+            <a:spLocks noGrp="1" noRot="1" noChangeAspect="1" noMove="1" noResize="1" noEditPoints="1" noAdjustHandles="1" noChangeArrowheads="1" noChangeShapeType="1" noTextEdit="1"/>
+          </p:cNvSpPr>
+          <p:nvPr>
+            <p:extLst>
+              <p:ext uri="{386F3935-93C4-4BCD-93E2-E3B085C9AB24}">
+                <p16:designElem xmlns:p16="http://schemas.microsoft.com/office/powerpoint/2015/main" val="1"/>
+              </p:ext>
+            </p:extLst>
+          </p:nvPr>
+        </p:nvSpPr>
+        <p:spPr>
+          <a:xfrm>
+            <a:off x="0" y="0"/>
+            <a:ext cx="12192000" cy="6858000"/>
+          </a:xfrm>
+          <a:prstGeom prst="rect">
+            <a:avLst/>
+          </a:prstGeom>
+          <a:ln>
+            <a:noFill/>
+          </a:ln>
+        </p:spPr>
+        <p:style>
+          <a:lnRef idx="2">
+            <a:schemeClr val="accent1">
+              <a:shade val="50000"/>
+            </a:schemeClr>
+          </a:lnRef>
+          <a:fillRef idx="1">
+            <a:schemeClr val="accent1"/>
+          </a:fillRef>
+          <a:effectRef idx="0">
+            <a:schemeClr val="accent1"/>
+          </a:effectRef>
+          <a:fontRef idx="minor">
+            <a:schemeClr val="lt1"/>
+          </a:fontRef>
+        </p:style>
+        <p:txBody>
+          <a:bodyPr rtlCol="0" anchor="ctr"/>
+          <a:lstStyle/>
+          <a:p>
+            <a:pPr algn="ctr"/>
+            <a:endParaRPr lang="en-US"/>
+          </a:p>
+        </p:txBody>
+      </p:sp>
+      <p:sp>
+        <p:nvSpPr>
+          <p:cNvPr id="2" name="Title 1">
+            <a:extLst>
+              <a:ext uri="{FF2B5EF4-FFF2-40B4-BE49-F238E27FC236}">
+                <a16:creationId xmlns:a16="http://schemas.microsoft.com/office/drawing/2014/main" id="{9A2F30FF-0767-E5B7-20B0-430A3A14A83E}"/>
+              </a:ext>
+            </a:extLst>
+          </p:cNvPr>
+          <p:cNvSpPr>
+            <a:spLocks noGrp="1"/>
+          </p:cNvSpPr>
+          <p:nvPr>
+            <p:ph type="title"/>
+          </p:nvPr>
+        </p:nvSpPr>
+        <p:spPr>
+          <a:xfrm>
+            <a:off x="7587181" y="893935"/>
+            <a:ext cx="4011261" cy="3339390"/>
+          </a:xfrm>
+        </p:spPr>
+        <p:txBody>
+          <a:bodyPr vert="horz" lIns="91440" tIns="45720" rIns="91440" bIns="45720" rtlCol="0" anchor="b">
+            <a:normAutofit/>
+          </a:bodyPr>
+          <a:lstStyle/>
+          <a:p>
+            <a:r>
+              <a:rPr lang="en-US" sz="3800" dirty="0"/>
+              <a:t>There are 297 nursing homes in Oklahoma homing with approximately 17,213 seniors.</a:t>
+            </a:r>
+          </a:p>
+        </p:txBody>
+      </p:sp>
+      <p:pic>
+        <p:nvPicPr>
+          <p:cNvPr id="5" name="Content Placeholder 4" descr="Couple holding cane">
+            <a:extLst>
+              <a:ext uri="{FF2B5EF4-FFF2-40B4-BE49-F238E27FC236}">
+                <a16:creationId xmlns:a16="http://schemas.microsoft.com/office/drawing/2014/main" id="{BA8BADB2-49BE-46D7-F360-3C4B43641F2C}"/>
+              </a:ext>
+            </a:extLst>
+          </p:cNvPr>
+          <p:cNvPicPr>
+            <a:picLocks noGrp="1" noChangeAspect="1"/>
+          </p:cNvPicPr>
+          <p:nvPr>
+            <p:ph idx="1"/>
+          </p:nvPr>
+        </p:nvPicPr>
+        <p:blipFill rotWithShape="1">
+          <a:blip r:embed="rId2">
+            <a:extLst>
+              <a:ext uri="{28A0092B-C50C-407E-A947-70E740481C1C}">
+                <a14:useLocalDpi xmlns:a14="http://schemas.microsoft.com/office/drawing/2010/main" val="0"/>
+              </a:ext>
+            </a:extLst>
+          </a:blip>
+          <a:srcRect l="20960" r="9909" b="-1"/>
+          <a:stretch/>
+        </p:blipFill>
+        <p:spPr>
+          <a:xfrm>
+            <a:off x="20" y="10"/>
+            <a:ext cx="7102529" cy="6857990"/>
+          </a:xfrm>
+          <a:prstGeom prst="rect">
+            <a:avLst/>
+          </a:prstGeom>
+        </p:spPr>
+      </p:pic>
+      <p:sp>
+        <p:nvSpPr>
+          <p:cNvPr id="16" name="Freeform 6">
+            <a:extLst>
+              <a:ext uri="{FF2B5EF4-FFF2-40B4-BE49-F238E27FC236}">
+                <a16:creationId xmlns:a16="http://schemas.microsoft.com/office/drawing/2014/main" id="{ADA271CD-3011-4A05-B4A3-80F1794684F2}"/>
+              </a:ext>
+              <a:ext uri="{C183D7F6-B498-43B3-948B-1728B52AA6E4}">
+                <adec:decorative xmlns:adec="http://schemas.microsoft.com/office/drawing/2017/decorative" val="1"/>
+              </a:ext>
+            </a:extLst>
+          </p:cNvPr>
+          <p:cNvSpPr>
+            <a:spLocks noGrp="1" noRot="1" noChangeAspect="1" noMove="1" noResize="1" noEditPoints="1" noAdjustHandles="1" noChangeArrowheads="1" noChangeShapeType="1" noTextEdit="1"/>
+          </p:cNvSpPr>
+          <p:nvPr>
+            <p:extLst>
+              <p:ext uri="{386F3935-93C4-4BCD-93E2-E3B085C9AB24}">
+                <p16:designElem xmlns:p16="http://schemas.microsoft.com/office/powerpoint/2015/main" val="1"/>
+              </p:ext>
+            </p:extLst>
+          </p:nvPr>
+        </p:nvSpPr>
+        <p:spPr bwMode="auto">
+          <a:xfrm>
+            <a:off x="11784011" y="5788152"/>
+            <a:ext cx="407988" cy="819150"/>
+          </a:xfrm>
+          <a:custGeom>
+            <a:avLst/>
+            <a:gdLst/>
+            <a:ahLst/>
+            <a:cxnLst/>
+            <a:rect l="0" t="0" r="r" b="b"/>
+            <a:pathLst>
+              <a:path w="1799" h="3612">
+                <a:moveTo>
+                  <a:pt x="1799" y="0"/>
+                </a:moveTo>
+                <a:lnTo>
+                  <a:pt x="1799" y="3612"/>
+                </a:lnTo>
+                <a:lnTo>
+                  <a:pt x="1686" y="3609"/>
+                </a:lnTo>
+                <a:lnTo>
+                  <a:pt x="1574" y="3598"/>
+                </a:lnTo>
+                <a:lnTo>
+                  <a:pt x="1464" y="3581"/>
+                </a:lnTo>
+                <a:lnTo>
+                  <a:pt x="1357" y="3557"/>
+                </a:lnTo>
+                <a:lnTo>
+                  <a:pt x="1251" y="3527"/>
+                </a:lnTo>
+                <a:lnTo>
+                  <a:pt x="1150" y="3490"/>
+                </a:lnTo>
+                <a:lnTo>
+                  <a:pt x="1050" y="3448"/>
+                </a:lnTo>
+                <a:lnTo>
+                  <a:pt x="953" y="3401"/>
+                </a:lnTo>
+                <a:lnTo>
+                  <a:pt x="860" y="3347"/>
+                </a:lnTo>
+                <a:lnTo>
+                  <a:pt x="771" y="3289"/>
+                </a:lnTo>
+                <a:lnTo>
+                  <a:pt x="686" y="3224"/>
+                </a:lnTo>
+                <a:lnTo>
+                  <a:pt x="604" y="3156"/>
+                </a:lnTo>
+                <a:lnTo>
+                  <a:pt x="527" y="3083"/>
+                </a:lnTo>
+                <a:lnTo>
+                  <a:pt x="454" y="3005"/>
+                </a:lnTo>
+                <a:lnTo>
+                  <a:pt x="386" y="2923"/>
+                </a:lnTo>
+                <a:lnTo>
+                  <a:pt x="323" y="2838"/>
+                </a:lnTo>
+                <a:lnTo>
+                  <a:pt x="265" y="2748"/>
+                </a:lnTo>
+                <a:lnTo>
+                  <a:pt x="211" y="2655"/>
+                </a:lnTo>
+                <a:lnTo>
+                  <a:pt x="163" y="2559"/>
+                </a:lnTo>
+                <a:lnTo>
+                  <a:pt x="121" y="2459"/>
+                </a:lnTo>
+                <a:lnTo>
+                  <a:pt x="85" y="2356"/>
+                </a:lnTo>
+                <a:lnTo>
+                  <a:pt x="55" y="2251"/>
+                </a:lnTo>
+                <a:lnTo>
+                  <a:pt x="32" y="2143"/>
+                </a:lnTo>
+                <a:lnTo>
+                  <a:pt x="14" y="2033"/>
+                </a:lnTo>
+                <a:lnTo>
+                  <a:pt x="4" y="1920"/>
+                </a:lnTo>
+                <a:lnTo>
+                  <a:pt x="0" y="1806"/>
+                </a:lnTo>
+                <a:lnTo>
+                  <a:pt x="4" y="1692"/>
+                </a:lnTo>
+                <a:lnTo>
+                  <a:pt x="14" y="1580"/>
+                </a:lnTo>
+                <a:lnTo>
+                  <a:pt x="32" y="1469"/>
+                </a:lnTo>
+                <a:lnTo>
+                  <a:pt x="55" y="1362"/>
+                </a:lnTo>
+                <a:lnTo>
+                  <a:pt x="85" y="1256"/>
+                </a:lnTo>
+                <a:lnTo>
+                  <a:pt x="121" y="1154"/>
+                </a:lnTo>
+                <a:lnTo>
+                  <a:pt x="163" y="1054"/>
+                </a:lnTo>
+                <a:lnTo>
+                  <a:pt x="211" y="958"/>
+                </a:lnTo>
+                <a:lnTo>
+                  <a:pt x="265" y="864"/>
+                </a:lnTo>
+                <a:lnTo>
+                  <a:pt x="323" y="774"/>
+                </a:lnTo>
+                <a:lnTo>
+                  <a:pt x="386" y="689"/>
+                </a:lnTo>
+                <a:lnTo>
+                  <a:pt x="454" y="607"/>
+                </a:lnTo>
+                <a:lnTo>
+                  <a:pt x="527" y="529"/>
+                </a:lnTo>
+                <a:lnTo>
+                  <a:pt x="604" y="456"/>
+                </a:lnTo>
+                <a:lnTo>
+                  <a:pt x="686" y="388"/>
+                </a:lnTo>
+                <a:lnTo>
+                  <a:pt x="771" y="325"/>
+                </a:lnTo>
+                <a:lnTo>
+                  <a:pt x="860" y="266"/>
+                </a:lnTo>
+                <a:lnTo>
+                  <a:pt x="953" y="212"/>
+                </a:lnTo>
+                <a:lnTo>
+                  <a:pt x="1050" y="164"/>
+                </a:lnTo>
+                <a:lnTo>
+                  <a:pt x="1150" y="122"/>
+                </a:lnTo>
+                <a:lnTo>
+                  <a:pt x="1251" y="85"/>
+                </a:lnTo>
+                <a:lnTo>
+                  <a:pt x="1357" y="55"/>
+                </a:lnTo>
+                <a:lnTo>
+                  <a:pt x="1464" y="32"/>
+                </a:lnTo>
+                <a:lnTo>
+                  <a:pt x="1574" y="14"/>
+                </a:lnTo>
+                <a:lnTo>
+                  <a:pt x="1686" y="5"/>
+                </a:lnTo>
+                <a:lnTo>
+                  <a:pt x="1799" y="0"/>
+                </a:lnTo>
+                <a:close/>
+              </a:path>
+            </a:pathLst>
+          </a:custGeom>
+          <a:solidFill>
+            <a:schemeClr val="tx1">
+              <a:lumMod val="85000"/>
+              <a:lumOff val="15000"/>
+            </a:schemeClr>
+          </a:solidFill>
+          <a:ln w="0">
+            <a:noFill/>
+            <a:prstDash val="solid"/>
+            <a:round/>
+            <a:headEnd/>
+            <a:tailEnd/>
+          </a:ln>
+        </p:spPr>
+        <p:txBody>
+          <a:bodyPr anchor="ctr"/>
+          <a:lstStyle/>
+          <a:p>
+            <a:endParaRPr lang="en-US"/>
+          </a:p>
+        </p:txBody>
+      </p:sp>
+    </p:spTree>
+    <p:extLst>
+      <p:ext uri="{BB962C8B-B14F-4D97-AF65-F5344CB8AC3E}">
+        <p14:creationId xmlns:p14="http://schemas.microsoft.com/office/powerpoint/2010/main" val="2605134854"/>
       </p:ext>
     </p:extLst>
   </p:cSld>
